--- a/Later/Java Inner Classes/Java Inner Classes.pptx
+++ b/Later/Java Inner Classes/Java Inner Classes.pptx
@@ -1003,6 +1003,13 @@
         </dgm:presLayoutVars>
       </dgm:prSet>
       <dgm:spPr/>
+      <dgm:t>
+        <a:bodyPr/>
+        <a:lstStyle/>
+        <a:p>
+          <a:endParaRPr lang="en-US"/>
+        </a:p>
+      </dgm:t>
     </dgm:pt>
     <dgm:pt modelId="{116AA193-5C4C-4AA7-A016-7BE8086F7F5C}" type="pres">
       <dgm:prSet presAssocID="{24BEF0E6-4DF5-4E05-AABA-FC3CF3712D14}" presName="node" presStyleLbl="node1" presStyleIdx="0" presStyleCnt="2">
@@ -1011,6 +1018,13 @@
         </dgm:presLayoutVars>
       </dgm:prSet>
       <dgm:spPr/>
+      <dgm:t>
+        <a:bodyPr/>
+        <a:lstStyle/>
+        <a:p>
+          <a:endParaRPr lang="en-US"/>
+        </a:p>
+      </dgm:t>
     </dgm:pt>
     <dgm:pt modelId="{3798C7F1-595E-412B-A472-8FFC6F37DCD3}" type="pres">
       <dgm:prSet presAssocID="{427B7A23-72D6-41CB-A810-46347E4386FF}" presName="sibTrans" presStyleCnt="0"/>
@@ -1033,11 +1047,11 @@
     </dgm:pt>
   </dgm:ptLst>
   <dgm:cxnLst>
-    <dgm:cxn modelId="{B24FC52C-260A-4D95-AE0D-42E5FF0666EA}" srcId="{C2A38185-3402-4446-8825-419EA3172FA6}" destId="{24BEF0E6-4DF5-4E05-AABA-FC3CF3712D14}" srcOrd="0" destOrd="0" parTransId="{E1EBC9A9-6EF7-47B0-88E2-DAC72558BE05}" sibTransId="{427B7A23-72D6-41CB-A810-46347E4386FF}"/>
+    <dgm:cxn modelId="{3A8F5A81-5D0F-4B0F-ABF2-004DE31052A7}" type="presOf" srcId="{C2A38185-3402-4446-8825-419EA3172FA6}" destId="{A4D2AF9D-32B8-488B-9B60-434C8561F8C7}" srcOrd="0" destOrd="0" presId="urn:microsoft.com/office/officeart/2005/8/layout/default"/>
+    <dgm:cxn modelId="{6902FCCE-9BEA-4889-8062-4C458D921BCC}" srcId="{C2A38185-3402-4446-8825-419EA3172FA6}" destId="{E4497EBA-DD3B-460C-A9AC-04AA216CAF07}" srcOrd="1" destOrd="0" parTransId="{F9D28DCF-18E6-42AF-AC63-112E616C2C14}" sibTransId="{4FDE2F12-A5E5-4D88-9646-DEBE081E92DC}"/>
     <dgm:cxn modelId="{6FCEC0E7-120B-483B-BC25-668C9ABEE3C0}" type="presOf" srcId="{24BEF0E6-4DF5-4E05-AABA-FC3CF3712D14}" destId="{116AA193-5C4C-4AA7-A016-7BE8086F7F5C}" srcOrd="0" destOrd="0" presId="urn:microsoft.com/office/officeart/2005/8/layout/default"/>
     <dgm:cxn modelId="{7818FB1E-CB7A-4C2F-871B-4A53362884A5}" type="presOf" srcId="{E4497EBA-DD3B-460C-A9AC-04AA216CAF07}" destId="{C5ABFADE-8F97-4C3E-A829-BE8E35EC8A99}" srcOrd="0" destOrd="0" presId="urn:microsoft.com/office/officeart/2005/8/layout/default"/>
-    <dgm:cxn modelId="{3A8F5A81-5D0F-4B0F-ABF2-004DE31052A7}" type="presOf" srcId="{C2A38185-3402-4446-8825-419EA3172FA6}" destId="{A4D2AF9D-32B8-488B-9B60-434C8561F8C7}" srcOrd="0" destOrd="0" presId="urn:microsoft.com/office/officeart/2005/8/layout/default"/>
-    <dgm:cxn modelId="{6902FCCE-9BEA-4889-8062-4C458D921BCC}" srcId="{C2A38185-3402-4446-8825-419EA3172FA6}" destId="{E4497EBA-DD3B-460C-A9AC-04AA216CAF07}" srcOrd="1" destOrd="0" parTransId="{F9D28DCF-18E6-42AF-AC63-112E616C2C14}" sibTransId="{4FDE2F12-A5E5-4D88-9646-DEBE081E92DC}"/>
+    <dgm:cxn modelId="{B24FC52C-260A-4D95-AE0D-42E5FF0666EA}" srcId="{C2A38185-3402-4446-8825-419EA3172FA6}" destId="{24BEF0E6-4DF5-4E05-AABA-FC3CF3712D14}" srcOrd="0" destOrd="0" parTransId="{E1EBC9A9-6EF7-47B0-88E2-DAC72558BE05}" sibTransId="{427B7A23-72D6-41CB-A810-46347E4386FF}"/>
     <dgm:cxn modelId="{7A5FF02E-17D7-46E2-8B1C-B91B7ECC8DA9}" type="presParOf" srcId="{A4D2AF9D-32B8-488B-9B60-434C8561F8C7}" destId="{116AA193-5C4C-4AA7-A016-7BE8086F7F5C}" srcOrd="0" destOrd="0" presId="urn:microsoft.com/office/officeart/2005/8/layout/default"/>
     <dgm:cxn modelId="{8DE7E99D-E608-405F-B016-39C75C0CAD1C}" type="presParOf" srcId="{A4D2AF9D-32B8-488B-9B60-434C8561F8C7}" destId="{3798C7F1-595E-412B-A472-8FFC6F37DCD3}" srcOrd="1" destOrd="0" presId="urn:microsoft.com/office/officeart/2005/8/layout/default"/>
     <dgm:cxn modelId="{E6C6D0DB-3BDB-459F-8A18-0B68CEAE0E0A}" type="presParOf" srcId="{A4D2AF9D-32B8-488B-9B60-434C8561F8C7}" destId="{C5ABFADE-8F97-4C3E-A829-BE8E35EC8A99}" srcOrd="2" destOrd="0" presId="urn:microsoft.com/office/officeart/2005/8/layout/default"/>
@@ -2539,7 +2553,7 @@
           <a:p>
             <a:fld id="{62274EC6-3890-417B-9308-14EFBD00FA63}" type="datetimeFigureOut">
               <a:rPr lang="en-US" smtClean="0"/>
-              <a:t>11/27/2015</a:t>
+              <a:t>12/1/2015</a:t>
             </a:fld>
             <a:endParaRPr lang="en-US" dirty="0"/>
           </a:p>
@@ -3167,7 +3181,7 @@
             <a:fld id="{1D8BD707-D9CF-40AE-B4C6-C98DA3205C09}" type="datetimeFigureOut">
               <a:rPr lang="en-US" smtClean="0"/>
               <a:pPr/>
-              <a:t>11/27/2015</a:t>
+              <a:t>12/1/2015</a:t>
             </a:fld>
             <a:endParaRPr lang="en-US" dirty="0"/>
           </a:p>
@@ -3339,7 +3353,7 @@
             <a:fld id="{1D8BD707-D9CF-40AE-B4C6-C98DA3205C09}" type="datetimeFigureOut">
               <a:rPr lang="en-US" smtClean="0"/>
               <a:pPr/>
-              <a:t>11/27/2015</a:t>
+              <a:t>12/1/2015</a:t>
             </a:fld>
             <a:endParaRPr lang="en-US" dirty="0"/>
           </a:p>
@@ -3521,7 +3535,7 @@
             <a:fld id="{1D8BD707-D9CF-40AE-B4C6-C98DA3205C09}" type="datetimeFigureOut">
               <a:rPr lang="en-US" smtClean="0"/>
               <a:pPr/>
-              <a:t>11/27/2015</a:t>
+              <a:t>12/1/2015</a:t>
             </a:fld>
             <a:endParaRPr lang="en-US" dirty="0"/>
           </a:p>
@@ -3693,7 +3707,7 @@
             <a:fld id="{1D8BD707-D9CF-40AE-B4C6-C98DA3205C09}" type="datetimeFigureOut">
               <a:rPr lang="en-US" smtClean="0"/>
               <a:pPr/>
-              <a:t>11/27/2015</a:t>
+              <a:t>12/1/2015</a:t>
             </a:fld>
             <a:endParaRPr lang="en-US" dirty="0"/>
           </a:p>
@@ -3941,7 +3955,7 @@
             <a:fld id="{1D8BD707-D9CF-40AE-B4C6-C98DA3205C09}" type="datetimeFigureOut">
               <a:rPr lang="en-US" smtClean="0"/>
               <a:pPr/>
-              <a:t>11/27/2015</a:t>
+              <a:t>12/1/2015</a:t>
             </a:fld>
             <a:endParaRPr lang="en-US" dirty="0"/>
           </a:p>
@@ -4231,7 +4245,7 @@
             <a:fld id="{1D8BD707-D9CF-40AE-B4C6-C98DA3205C09}" type="datetimeFigureOut">
               <a:rPr lang="en-US" smtClean="0"/>
               <a:pPr/>
-              <a:t>11/27/2015</a:t>
+              <a:t>12/1/2015</a:t>
             </a:fld>
             <a:endParaRPr lang="en-US" dirty="0"/>
           </a:p>
@@ -4660,7 +4674,7 @@
             <a:fld id="{1D8BD707-D9CF-40AE-B4C6-C98DA3205C09}" type="datetimeFigureOut">
               <a:rPr lang="en-US" smtClean="0"/>
               <a:pPr/>
-              <a:t>11/27/2015</a:t>
+              <a:t>12/1/2015</a:t>
             </a:fld>
             <a:endParaRPr lang="en-US" dirty="0"/>
           </a:p>
@@ -4780,7 +4794,7 @@
             <a:fld id="{1D8BD707-D9CF-40AE-B4C6-C98DA3205C09}" type="datetimeFigureOut">
               <a:rPr lang="en-US" smtClean="0"/>
               <a:pPr/>
-              <a:t>11/27/2015</a:t>
+              <a:t>12/1/2015</a:t>
             </a:fld>
             <a:endParaRPr lang="en-US" dirty="0"/>
           </a:p>
@@ -4877,7 +4891,7 @@
             <a:fld id="{1D8BD707-D9CF-40AE-B4C6-C98DA3205C09}" type="datetimeFigureOut">
               <a:rPr lang="en-US" smtClean="0"/>
               <a:pPr/>
-              <a:t>11/27/2015</a:t>
+              <a:t>12/1/2015</a:t>
             </a:fld>
             <a:endParaRPr lang="en-US" dirty="0"/>
           </a:p>
@@ -5156,7 +5170,7 @@
             <a:fld id="{1D8BD707-D9CF-40AE-B4C6-C98DA3205C09}" type="datetimeFigureOut">
               <a:rPr lang="en-US" smtClean="0"/>
               <a:pPr/>
-              <a:t>11/27/2015</a:t>
+              <a:t>12/1/2015</a:t>
             </a:fld>
             <a:endParaRPr lang="en-US" dirty="0"/>
           </a:p>
@@ -5411,7 +5425,7 @@
             <a:fld id="{1D8BD707-D9CF-40AE-B4C6-C98DA3205C09}" type="datetimeFigureOut">
               <a:rPr lang="en-US" smtClean="0"/>
               <a:pPr/>
-              <a:t>11/27/2015</a:t>
+              <a:t>12/1/2015</a:t>
             </a:fld>
             <a:endParaRPr lang="en-US" dirty="0"/>
           </a:p>
@@ -5626,7 +5640,7 @@
             <a:fld id="{1D8BD707-D9CF-40AE-B4C6-C98DA3205C09}" type="datetimeFigureOut">
               <a:rPr lang="en-US" smtClean="0"/>
               <a:pPr/>
-              <a:t>11/27/2015</a:t>
+              <a:t>12/1/2015</a:t>
             </a:fld>
             <a:endParaRPr lang="en-US" dirty="0"/>
           </a:p>
@@ -6314,8 +6328,12 @@
           <a:lstStyle/>
           <a:p>
             <a:r>
+              <a:rPr lang="en-US" sz="1400" dirty="0"/>
+              <a:t>c</a:t>
+            </a:r>
+            <a:r>
               <a:rPr lang="en-US" sz="1400" dirty="0" smtClean="0"/>
-              <a:t>Class </a:t>
+              <a:t>lass </a:t>
             </a:r>
             <a:r>
               <a:rPr lang="en-US" sz="1400" dirty="0"/>
@@ -6338,7 +6356,6 @@
               <a:rPr lang="en-US" sz="1400" dirty="0" smtClean="0"/>
               <a:t>   ….</a:t>
             </a:r>
-            <a:endParaRPr lang="en-US" sz="1400" dirty="0" smtClean="0"/>
           </a:p>
           <a:p>
             <a:r>
@@ -6347,7 +6364,11 @@
             </a:r>
             <a:r>
               <a:rPr lang="en-US" sz="1400" dirty="0" smtClean="0"/>
-              <a:t>  Class </a:t>
+              <a:t>  </a:t>
+            </a:r>
+            <a:r>
+              <a:rPr lang="en-US" sz="1400" dirty="0" smtClean="0"/>
+              <a:t>class </a:t>
             </a:r>
             <a:r>
               <a:rPr lang="en-US" sz="1400" dirty="0"/>
@@ -6372,13 +6393,8 @@
             </a:r>
             <a:r>
               <a:rPr lang="en-US" sz="1400" dirty="0" smtClean="0"/>
-              <a:t> </a:t>
-            </a:r>
-            <a:r>
-              <a:rPr lang="en-US" sz="1400" dirty="0" smtClean="0"/>
-              <a:t>        …..</a:t>
-            </a:r>
-            <a:endParaRPr lang="en-US" sz="1400" dirty="0" smtClean="0"/>
+              <a:t>         …..</a:t>
+            </a:r>
           </a:p>
           <a:p>
             <a:r>
@@ -6514,25 +6530,8 @@
             </a:pPr>
             <a:r>
               <a:rPr lang="en-US" sz="1200" dirty="0"/>
-              <a:t>An instance of </a:t>
-            </a:r>
-            <a:r>
-              <a:rPr lang="en-US" sz="1200" dirty="0"/>
-              <a:t>InnerClass</a:t>
-            </a:r>
-            <a:r>
-              <a:rPr lang="en-US" sz="1200" dirty="0"/>
-              <a:t> can exist only within an instance of </a:t>
-            </a:r>
-            <a:r>
-              <a:rPr lang="en-US" sz="1200" dirty="0"/>
-              <a:t>OuterClass</a:t>
-            </a:r>
-            <a:r>
-              <a:rPr lang="en-US" sz="1200" dirty="0"/>
-              <a:t> and has direct access to the methods and fields of its enclosing instance.</a:t>
-            </a:r>
-            <a:endParaRPr lang="en-US" sz="1200" dirty="0"/>
+              <a:t>An instance of InnerClass can exist only within an instance of OuterClass and has direct access to the methods and fields of its enclosing instance.</a:t>
+            </a:r>
           </a:p>
         </p:txBody>
       </p:sp>
@@ -7197,7 +7196,6 @@
               <a:rPr lang="en-US" sz="1200" dirty="0"/>
               <a:t>There are two special kinds of inner classes</a:t>
             </a:r>
-            <a:endParaRPr lang="en-US" sz="1200" dirty="0"/>
           </a:p>
         </p:txBody>
       </p:sp>
